--- a/images/theory_analysis/Couchbase_Memcached_Compatible/Couchbase_Memcached_Compatible.pptx
+++ b/images/theory_analysis/Couchbase_Memcached_Compatible/Couchbase_Memcached_Compatible.pptx
@@ -3627,7 +3627,7 @@
               <a:pPr algn="ctr"/>
               <a:r>
                 <a:rPr lang="en-US" altLang="ko-KR" sz="1400"/>
-                <a:t>Client</a:t>
+                <a:t>Library</a:t>
               </a:r>
             </a:p>
           </p:txBody>
@@ -3753,7 +3753,7 @@
               <a:pPr algn="ctr"/>
               <a:r>
                 <a:rPr lang="en-US" altLang="ko-KR" sz="1400"/>
-                <a:t>Client</a:t>
+                <a:t>Library</a:t>
               </a:r>
             </a:p>
           </p:txBody>
@@ -3859,7 +3859,7 @@
             <a:pPr algn="ctr"/>
             <a:r>
               <a:rPr lang="en-US" altLang="ko-KR" sz="1400"/>
-              <a:t>Client</a:t>
+              <a:t>Library</a:t>
             </a:r>
           </a:p>
         </p:txBody>
@@ -4573,7 +4573,7 @@
             <a:pPr algn="ctr"/>
             <a:r>
               <a:rPr lang="en-US" altLang="ko-KR" sz="1600" b="1"/>
-              <a:t>Moxi - Server Side</a:t>
+              <a:t>Server Side Moxi</a:t>
             </a:r>
             <a:endParaRPr lang="ko-KR" altLang="en-US" sz="1600" b="1"/>
           </a:p>
@@ -4610,7 +4610,7 @@
             <a:pPr algn="ctr"/>
             <a:r>
               <a:rPr lang="en-US" altLang="ko-KR" sz="1600" b="1"/>
-              <a:t>Moxi - Client Side</a:t>
+              <a:t>Client Side Moxi</a:t>
             </a:r>
             <a:endParaRPr lang="ko-KR" altLang="en-US" sz="1600" b="1"/>
           </a:p>
@@ -4647,7 +4647,7 @@
             <a:pPr algn="ctr"/>
             <a:r>
               <a:rPr lang="en-US" altLang="ko-KR" sz="1600" b="1"/>
-              <a:t>Couchbase Client</a:t>
+              <a:t>Couchbase Library</a:t>
             </a:r>
             <a:endParaRPr lang="ko-KR" altLang="en-US" sz="1600" b="1"/>
           </a:p>
